--- a/51_60/ch56_InstClassStaticMethod/ch56_InstClassStaticMethod.pptx
+++ b/51_60/ch56_InstClassStaticMethod/ch56_InstClassStaticMethod.pptx
@@ -3931,7 +3931,7 @@
           </a:prstGeom>
           <a:ln>
             <a:solidFill>
-              <a:schemeClr val="accent1"/>
+              <a:srgbClr val="C00000"/>
             </a:solidFill>
           </a:ln>
         </p:spPr>
